--- a/Final Project HappySauce.pptx
+++ b/Final Project HappySauce.pptx
@@ -9,21 +9,23 @@
     <p:sldId id="258" r:id="rId3"/>
     <p:sldId id="257" r:id="rId4"/>
     <p:sldId id="259" r:id="rId5"/>
-    <p:sldId id="277" r:id="rId6"/>
-    <p:sldId id="261" r:id="rId7"/>
-    <p:sldId id="262" r:id="rId8"/>
-    <p:sldId id="264" r:id="rId9"/>
-    <p:sldId id="269" r:id="rId10"/>
-    <p:sldId id="265" r:id="rId11"/>
-    <p:sldId id="267" r:id="rId12"/>
-    <p:sldId id="268" r:id="rId13"/>
-    <p:sldId id="270" r:id="rId14"/>
-    <p:sldId id="271" r:id="rId15"/>
-    <p:sldId id="272" r:id="rId16"/>
-    <p:sldId id="273" r:id="rId17"/>
-    <p:sldId id="274" r:id="rId18"/>
-    <p:sldId id="275" r:id="rId19"/>
-    <p:sldId id="276" r:id="rId20"/>
+    <p:sldId id="278" r:id="rId6"/>
+    <p:sldId id="277" r:id="rId7"/>
+    <p:sldId id="261" r:id="rId8"/>
+    <p:sldId id="262" r:id="rId9"/>
+    <p:sldId id="264" r:id="rId10"/>
+    <p:sldId id="269" r:id="rId11"/>
+    <p:sldId id="265" r:id="rId12"/>
+    <p:sldId id="267" r:id="rId13"/>
+    <p:sldId id="268" r:id="rId14"/>
+    <p:sldId id="270" r:id="rId15"/>
+    <p:sldId id="271" r:id="rId16"/>
+    <p:sldId id="272" r:id="rId17"/>
+    <p:sldId id="273" r:id="rId18"/>
+    <p:sldId id="274" r:id="rId19"/>
+    <p:sldId id="275" r:id="rId20"/>
+    <p:sldId id="279" r:id="rId21"/>
+    <p:sldId id="276" r:id="rId22"/>
   </p:sldIdLst>
   <p:sldSz cx="12192000" cy="6858000"/>
   <p:notesSz cx="6858000" cy="9144000"/>
@@ -3782,6 +3784,302 @@
           </p:txBody>
         </p:sp>
       </p:grpSp>
+    </p:spTree>
+    <p:extLst>
+      <p:ext uri="{BB962C8B-B14F-4D97-AF65-F5344CB8AC3E}">
+        <p14:creationId xmlns:p14="http://schemas.microsoft.com/office/powerpoint/2010/main" val="1399268501"/>
+      </p:ext>
+    </p:extLst>
+  </p:cSld>
+  <p:clrMapOvr>
+    <a:masterClrMapping/>
+  </p:clrMapOvr>
+</p:sld>
+</file>
+
+<file path=ppt/slides/slide11.xml><?xml version="1.0" encoding="utf-8"?>
+<p:sld xmlns:a="http://schemas.openxmlformats.org/drawingml/2006/main" xmlns:r="http://schemas.openxmlformats.org/officeDocument/2006/relationships" xmlns:p="http://schemas.openxmlformats.org/presentationml/2006/main">
+  <p:cSld>
+    <p:spTree>
+      <p:nvGrpSpPr>
+        <p:cNvPr id="1" name=""/>
+        <p:cNvGrpSpPr/>
+        <p:nvPr/>
+      </p:nvGrpSpPr>
+      <p:grpSpPr>
+        <a:xfrm>
+          <a:off x="0" y="0"/>
+          <a:ext cx="0" cy="0"/>
+          <a:chOff x="0" y="0"/>
+          <a:chExt cx="0" cy="0"/>
+        </a:xfrm>
+      </p:grpSpPr>
+      <p:sp>
+        <p:nvSpPr>
+          <p:cNvPr id="2" name="Title 1">
+            <a:extLst>
+              <a:ext uri="{FF2B5EF4-FFF2-40B4-BE49-F238E27FC236}">
+                <a16:creationId xmlns:a16="http://schemas.microsoft.com/office/drawing/2014/main" id="{14ACED59-0D2E-4F43-B8E3-73E86784CF87}"/>
+              </a:ext>
+            </a:extLst>
+          </p:cNvPr>
+          <p:cNvSpPr>
+            <a:spLocks noGrp="1"/>
+          </p:cNvSpPr>
+          <p:nvPr>
+            <p:ph type="title"/>
+          </p:nvPr>
+        </p:nvSpPr>
+        <p:spPr>
+          <a:xfrm>
+            <a:off x="743930" y="201299"/>
+            <a:ext cx="10515600" cy="748245"/>
+          </a:xfrm>
+        </p:spPr>
+        <p:txBody>
+          <a:bodyPr>
+            <a:normAutofit/>
+          </a:bodyPr>
+          <a:lstStyle/>
+          <a:p>
+            <a:r>
+              <a:rPr lang="en-US" dirty="0"/>
+              <a:t>Multiple regression model results</a:t>
+            </a:r>
+          </a:p>
+        </p:txBody>
+      </p:sp>
+      <p:sp>
+        <p:nvSpPr>
+          <p:cNvPr id="6" name="Rectangle 5">
+            <a:extLst>
+              <a:ext uri="{FF2B5EF4-FFF2-40B4-BE49-F238E27FC236}">
+                <a16:creationId xmlns:a16="http://schemas.microsoft.com/office/drawing/2014/main" id="{EC2349AA-4822-4D92-BCDC-223BF6FF0E2B}"/>
+              </a:ext>
+            </a:extLst>
+          </p:cNvPr>
+          <p:cNvSpPr/>
+          <p:nvPr/>
+        </p:nvSpPr>
+        <p:spPr>
+          <a:xfrm>
+            <a:off x="838200" y="2187019"/>
+            <a:ext cx="500406" cy="4569133"/>
+          </a:xfrm>
+          <a:prstGeom prst="rect">
+            <a:avLst/>
+          </a:prstGeom>
+          <a:solidFill>
+            <a:schemeClr val="bg1"/>
+          </a:solidFill>
+          <a:ln>
+            <a:noFill/>
+          </a:ln>
+        </p:spPr>
+        <p:style>
+          <a:lnRef idx="2">
+            <a:schemeClr val="accent1">
+              <a:shade val="50000"/>
+            </a:schemeClr>
+          </a:lnRef>
+          <a:fillRef idx="1">
+            <a:schemeClr val="accent1"/>
+          </a:fillRef>
+          <a:effectRef idx="0">
+            <a:schemeClr val="accent1"/>
+          </a:effectRef>
+          <a:fontRef idx="minor">
+            <a:schemeClr val="lt1"/>
+          </a:fontRef>
+        </p:style>
+        <p:txBody>
+          <a:bodyPr rtlCol="0" anchor="ctr"/>
+          <a:lstStyle/>
+          <a:p>
+            <a:pPr algn="ctr"/>
+            <a:endParaRPr lang="en-US"/>
+          </a:p>
+        </p:txBody>
+      </p:sp>
+      <p:sp>
+        <p:nvSpPr>
+          <p:cNvPr id="3" name="TextBox 2">
+            <a:extLst>
+              <a:ext uri="{FF2B5EF4-FFF2-40B4-BE49-F238E27FC236}">
+                <a16:creationId xmlns:a16="http://schemas.microsoft.com/office/drawing/2014/main" id="{863BED04-5A42-4989-94BA-7EEB7CBD6919}"/>
+              </a:ext>
+            </a:extLst>
+          </p:cNvPr>
+          <p:cNvSpPr txBox="1"/>
+          <p:nvPr/>
+        </p:nvSpPr>
+        <p:spPr>
+          <a:xfrm>
+            <a:off x="9530498" y="1113221"/>
+            <a:ext cx="1588897" cy="461665"/>
+          </a:xfrm>
+          <a:prstGeom prst="rect">
+            <a:avLst/>
+          </a:prstGeom>
+          <a:noFill/>
+        </p:spPr>
+        <p:txBody>
+          <a:bodyPr wrap="none" rtlCol="0">
+            <a:spAutoFit/>
+          </a:bodyPr>
+          <a:lstStyle/>
+          <a:p>
+            <a:r>
+              <a:rPr lang="en-US" sz="2400" dirty="0"/>
+              <a:t>MSE: 0.478</a:t>
+            </a:r>
+          </a:p>
+        </p:txBody>
+      </p:sp>
+      <p:sp>
+        <p:nvSpPr>
+          <p:cNvPr id="7" name="TextBox 6">
+            <a:extLst>
+              <a:ext uri="{FF2B5EF4-FFF2-40B4-BE49-F238E27FC236}">
+                <a16:creationId xmlns:a16="http://schemas.microsoft.com/office/drawing/2014/main" id="{B2C8E4D9-B540-41B5-9FB6-47DE8EF34BE3}"/>
+              </a:ext>
+            </a:extLst>
+          </p:cNvPr>
+          <p:cNvSpPr txBox="1"/>
+          <p:nvPr/>
+        </p:nvSpPr>
+        <p:spPr>
+          <a:xfrm>
+            <a:off x="9530497" y="1669402"/>
+            <a:ext cx="1356462" cy="461665"/>
+          </a:xfrm>
+          <a:prstGeom prst="rect">
+            <a:avLst/>
+          </a:prstGeom>
+          <a:noFill/>
+        </p:spPr>
+        <p:txBody>
+          <a:bodyPr wrap="none" rtlCol="0">
+            <a:spAutoFit/>
+          </a:bodyPr>
+          <a:lstStyle/>
+          <a:p>
+            <a:r>
+              <a:rPr lang="en-US" sz="2400" dirty="0"/>
+              <a:t>R2: 0.433</a:t>
+            </a:r>
+          </a:p>
+        </p:txBody>
+      </p:sp>
+      <p:grpSp>
+        <p:nvGrpSpPr>
+          <p:cNvPr id="5" name="Group 4">
+            <a:extLst>
+              <a:ext uri="{FF2B5EF4-FFF2-40B4-BE49-F238E27FC236}">
+                <a16:creationId xmlns:a16="http://schemas.microsoft.com/office/drawing/2014/main" id="{5946261C-6089-46B0-B626-A5ADA3119C95}"/>
+              </a:ext>
+            </a:extLst>
+          </p:cNvPr>
+          <p:cNvGrpSpPr/>
+          <p:nvPr/>
+        </p:nvGrpSpPr>
+        <p:grpSpPr>
+          <a:xfrm>
+            <a:off x="743930" y="1084691"/>
+            <a:ext cx="8280461" cy="5572010"/>
+            <a:chOff x="743930" y="1084691"/>
+            <a:chExt cx="8280461" cy="5572010"/>
+          </a:xfrm>
+        </p:grpSpPr>
+        <p:pic>
+          <p:nvPicPr>
+            <p:cNvPr id="10" name="Picture 9">
+              <a:extLst>
+                <a:ext uri="{FF2B5EF4-FFF2-40B4-BE49-F238E27FC236}">
+                  <a16:creationId xmlns:a16="http://schemas.microsoft.com/office/drawing/2014/main" id="{EDB42234-9293-4020-B63A-AE0EF563B1A8}"/>
+                </a:ext>
+              </a:extLst>
+            </p:cNvPr>
+            <p:cNvPicPr>
+              <a:picLocks noChangeAspect="1"/>
+            </p:cNvPicPr>
+            <p:nvPr/>
+          </p:nvPicPr>
+          <p:blipFill>
+            <a:blip r:embed="rId2">
+              <a:extLst>
+                <a:ext uri="{28A0092B-C50C-407E-A947-70E740481C1C}">
+                  <a14:useLocalDpi xmlns:a14="http://schemas.microsoft.com/office/drawing/2010/main" val="0"/>
+                </a:ext>
+              </a:extLst>
+            </a:blip>
+            <a:stretch>
+              <a:fillRect/>
+            </a:stretch>
+          </p:blipFill>
+          <p:spPr>
+            <a:xfrm>
+              <a:off x="838200" y="1084691"/>
+              <a:ext cx="8186191" cy="5572010"/>
+            </a:xfrm>
+            <a:prstGeom prst="rect">
+              <a:avLst/>
+            </a:prstGeom>
+          </p:spPr>
+        </p:pic>
+        <p:sp>
+          <p:nvSpPr>
+            <p:cNvPr id="4" name="Rectangle 3">
+              <a:extLst>
+                <a:ext uri="{FF2B5EF4-FFF2-40B4-BE49-F238E27FC236}">
+                  <a16:creationId xmlns:a16="http://schemas.microsoft.com/office/drawing/2014/main" id="{8554511D-8672-4608-9D05-DD87D68FB983}"/>
+                </a:ext>
+              </a:extLst>
+            </p:cNvPr>
+            <p:cNvSpPr/>
+            <p:nvPr/>
+          </p:nvSpPr>
+          <p:spPr>
+            <a:xfrm>
+              <a:off x="743930" y="1084691"/>
+              <a:ext cx="4110874" cy="310476"/>
+            </a:xfrm>
+            <a:prstGeom prst="rect">
+              <a:avLst/>
+            </a:prstGeom>
+            <a:solidFill>
+              <a:schemeClr val="bg1"/>
+            </a:solidFill>
+            <a:ln>
+              <a:noFill/>
+            </a:ln>
+          </p:spPr>
+          <p:style>
+            <a:lnRef idx="2">
+              <a:schemeClr val="accent1">
+                <a:shade val="50000"/>
+              </a:schemeClr>
+            </a:lnRef>
+            <a:fillRef idx="1">
+              <a:schemeClr val="accent1"/>
+            </a:fillRef>
+            <a:effectRef idx="0">
+              <a:schemeClr val="accent1"/>
+            </a:effectRef>
+            <a:fontRef idx="minor">
+              <a:schemeClr val="lt1"/>
+            </a:fontRef>
+          </p:style>
+          <p:txBody>
+            <a:bodyPr rtlCol="0" anchor="ctr"/>
+            <a:lstStyle/>
+            <a:p>
+              <a:pPr algn="ctr"/>
+              <a:endParaRPr lang="en-US"/>
+            </a:p>
+          </p:txBody>
+        </p:sp>
+      </p:grpSp>
       <p:sp>
         <p:nvSpPr>
           <p:cNvPr id="8" name="Rectangle 7">
@@ -3846,7 +4144,7 @@
 </p:sld>
 </file>
 
-<file path=ppt/slides/slide11.xml><?xml version="1.0" encoding="utf-8"?>
+<file path=ppt/slides/slide12.xml><?xml version="1.0" encoding="utf-8"?>
 <p:sld xmlns:a="http://schemas.openxmlformats.org/drawingml/2006/main" xmlns:r="http://schemas.openxmlformats.org/officeDocument/2006/relationships" xmlns:p="http://schemas.openxmlformats.org/presentationml/2006/main">
   <p:cSld>
     <p:spTree>
@@ -4142,7 +4440,7 @@
 </p:sld>
 </file>
 
-<file path=ppt/slides/slide12.xml><?xml version="1.0" encoding="utf-8"?>
+<file path=ppt/slides/slide13.xml><?xml version="1.0" encoding="utf-8"?>
 <p:sld xmlns:a="http://schemas.openxmlformats.org/drawingml/2006/main" xmlns:r="http://schemas.openxmlformats.org/officeDocument/2006/relationships" xmlns:p="http://schemas.openxmlformats.org/presentationml/2006/main">
   <p:cSld>
     <p:spTree>
@@ -4349,7 +4647,7 @@
 </p:sld>
 </file>
 
-<file path=ppt/slides/slide13.xml><?xml version="1.0" encoding="utf-8"?>
+<file path=ppt/slides/slide14.xml><?xml version="1.0" encoding="utf-8"?>
 <p:sld xmlns:a="http://schemas.openxmlformats.org/drawingml/2006/main" xmlns:r="http://schemas.openxmlformats.org/officeDocument/2006/relationships" xmlns:p="http://schemas.openxmlformats.org/presentationml/2006/main">
   <p:cSld>
     <p:spTree>
@@ -4550,7 +4848,7 @@
 </p:sld>
 </file>
 
-<file path=ppt/slides/slide14.xml><?xml version="1.0" encoding="utf-8"?>
+<file path=ppt/slides/slide15.xml><?xml version="1.0" encoding="utf-8"?>
 <p:sld xmlns:a="http://schemas.openxmlformats.org/drawingml/2006/main" xmlns:r="http://schemas.openxmlformats.org/officeDocument/2006/relationships" xmlns:p="http://schemas.openxmlformats.org/presentationml/2006/main">
   <p:cSld>
     <p:spTree>
@@ -4813,99 +5111,6 @@
 </p:sld>
 </file>
 
-<file path=ppt/slides/slide15.xml><?xml version="1.0" encoding="utf-8"?>
-<p:sld xmlns:a="http://schemas.openxmlformats.org/drawingml/2006/main" xmlns:r="http://schemas.openxmlformats.org/officeDocument/2006/relationships" xmlns:p="http://schemas.openxmlformats.org/presentationml/2006/main">
-  <p:cSld>
-    <p:spTree>
-      <p:nvGrpSpPr>
-        <p:cNvPr id="1" name=""/>
-        <p:cNvGrpSpPr/>
-        <p:nvPr/>
-      </p:nvGrpSpPr>
-      <p:grpSpPr>
-        <a:xfrm>
-          <a:off x="0" y="0"/>
-          <a:ext cx="0" cy="0"/>
-          <a:chOff x="0" y="0"/>
-          <a:chExt cx="0" cy="0"/>
-        </a:xfrm>
-      </p:grpSpPr>
-      <p:sp>
-        <p:nvSpPr>
-          <p:cNvPr id="2" name="Title 1">
-            <a:extLst>
-              <a:ext uri="{FF2B5EF4-FFF2-40B4-BE49-F238E27FC236}">
-                <a16:creationId xmlns:a16="http://schemas.microsoft.com/office/drawing/2014/main" id="{A6798A73-C388-471B-A6C5-6362CE45A362}"/>
-              </a:ext>
-            </a:extLst>
-          </p:cNvPr>
-          <p:cNvSpPr>
-            <a:spLocks noGrp="1"/>
-          </p:cNvSpPr>
-          <p:nvPr>
-            <p:ph type="title"/>
-          </p:nvPr>
-        </p:nvSpPr>
-        <p:spPr/>
-        <p:txBody>
-          <a:bodyPr/>
-          <a:lstStyle/>
-          <a:p>
-            <a:r>
-              <a:rPr lang="en-US" dirty="0"/>
-              <a:t>Conclusion</a:t>
-            </a:r>
-          </a:p>
-        </p:txBody>
-      </p:sp>
-      <p:sp>
-        <p:nvSpPr>
-          <p:cNvPr id="3" name="Content Placeholder 2">
-            <a:extLst>
-              <a:ext uri="{FF2B5EF4-FFF2-40B4-BE49-F238E27FC236}">
-                <a16:creationId xmlns:a16="http://schemas.microsoft.com/office/drawing/2014/main" id="{3FA792B2-D169-4A7F-9CDC-E8F72C445119}"/>
-              </a:ext>
-            </a:extLst>
-          </p:cNvPr>
-          <p:cNvSpPr>
-            <a:spLocks noGrp="1"/>
-          </p:cNvSpPr>
-          <p:nvPr>
-            <p:ph idx="1"/>
-          </p:nvPr>
-        </p:nvSpPr>
-        <p:spPr/>
-        <p:txBody>
-          <a:bodyPr>
-            <a:normAutofit/>
-          </a:bodyPr>
-          <a:lstStyle/>
-          <a:p>
-            <a:pPr>
-              <a:lnSpc>
-                <a:spcPts val="3400"/>
-              </a:lnSpc>
-            </a:pPr>
-            <a:r>
-              <a:rPr lang="en-US" sz="2600" dirty="0"/>
-              <a:t>Many demographic, socioeconomic factors can predict county suicide rate.</a:t>
-            </a:r>
-          </a:p>
-        </p:txBody>
-      </p:sp>
-    </p:spTree>
-    <p:extLst>
-      <p:ext uri="{BB962C8B-B14F-4D97-AF65-F5344CB8AC3E}">
-        <p14:creationId xmlns:p14="http://schemas.microsoft.com/office/powerpoint/2010/main" val="991598277"/>
-      </p:ext>
-    </p:extLst>
-  </p:cSld>
-  <p:clrMapOvr>
-    <a:masterClrMapping/>
-  </p:clrMapOvr>
-</p:sld>
-</file>
-
 <file path=ppt/slides/slide16.xml><?xml version="1.0" encoding="utf-8"?>
 <p:sld xmlns:a="http://schemas.openxmlformats.org/drawingml/2006/main" xmlns:r="http://schemas.openxmlformats.org/officeDocument/2006/relationships" xmlns:p="http://schemas.openxmlformats.org/presentationml/2006/main">
   <p:cSld>
@@ -4984,34 +5189,12 @@
               <a:t>Many demographic, socioeconomic factors can predict county suicide rate.</a:t>
             </a:r>
           </a:p>
-          <a:p>
-            <a:pPr>
-              <a:lnSpc>
-                <a:spcPts val="3400"/>
-              </a:lnSpc>
-            </a:pPr>
-            <a:r>
-              <a:rPr lang="en-US" sz="2600" dirty="0"/>
-              <a:t>A multiple regression model can account for 43% of suicide rate variance.</a:t>
-            </a:r>
-          </a:p>
-          <a:p>
-            <a:pPr lvl="1">
-              <a:lnSpc>
-                <a:spcPts val="3400"/>
-              </a:lnSpc>
-            </a:pPr>
-            <a:r>
-              <a:rPr lang="en-US" sz="2200" dirty="0"/>
-              <a:t>Variables with p&lt;0.05 in pair-wise correlation are not necessarily significant in a multiple regression model (e.g. median income).</a:t>
-            </a:r>
-          </a:p>
         </p:txBody>
       </p:sp>
     </p:spTree>
     <p:extLst>
       <p:ext uri="{BB962C8B-B14F-4D97-AF65-F5344CB8AC3E}">
-        <p14:creationId xmlns:p14="http://schemas.microsoft.com/office/powerpoint/2010/main" val="1098168704"/>
+        <p14:creationId xmlns:p14="http://schemas.microsoft.com/office/powerpoint/2010/main" val="991598277"/>
       </p:ext>
     </p:extLst>
   </p:cSld>
@@ -5121,23 +5304,12 @@
               <a:t>Variables with p&lt;0.05 in pair-wise correlation are not necessarily significant in a multiple regression model (e.g. median income).</a:t>
             </a:r>
           </a:p>
-          <a:p>
-            <a:pPr>
-              <a:lnSpc>
-                <a:spcPts val="3400"/>
-              </a:lnSpc>
-            </a:pPr>
-            <a:r>
-              <a:rPr lang="en-US" sz="2600" dirty="0"/>
-              <a:t>Neural networks do not necessarily perform better than linear models.</a:t>
-            </a:r>
-          </a:p>
         </p:txBody>
       </p:sp>
     </p:spTree>
     <p:extLst>
       <p:ext uri="{BB962C8B-B14F-4D97-AF65-F5344CB8AC3E}">
-        <p14:creationId xmlns:p14="http://schemas.microsoft.com/office/powerpoint/2010/main" val="4140177434"/>
+        <p14:creationId xmlns:p14="http://schemas.microsoft.com/office/powerpoint/2010/main" val="1098168704"/>
       </p:ext>
     </p:extLst>
   </p:cSld>
@@ -5258,23 +5430,12 @@
               <a:t>Neural networks do not necessarily perform better than linear models.</a:t>
             </a:r>
           </a:p>
-          <a:p>
-            <a:pPr>
-              <a:lnSpc>
-                <a:spcPts val="3400"/>
-              </a:lnSpc>
-            </a:pPr>
-            <a:r>
-              <a:rPr lang="en-US" sz="2600" dirty="0"/>
-              <a:t>Sometimes searching for more variables (features) is more important than tweaking the model.</a:t>
-            </a:r>
-          </a:p>
         </p:txBody>
       </p:sp>
     </p:spTree>
     <p:extLst>
       <p:ext uri="{BB962C8B-B14F-4D97-AF65-F5344CB8AC3E}">
-        <p14:creationId xmlns:p14="http://schemas.microsoft.com/office/powerpoint/2010/main" val="1578090681"/>
+        <p14:creationId xmlns:p14="http://schemas.microsoft.com/office/powerpoint/2010/main" val="4140177434"/>
       </p:ext>
     </p:extLst>
   </p:cSld>
@@ -5306,7 +5467,7 @@
           <p:cNvPr id="2" name="Title 1">
             <a:extLst>
               <a:ext uri="{FF2B5EF4-FFF2-40B4-BE49-F238E27FC236}">
-                <a16:creationId xmlns:a16="http://schemas.microsoft.com/office/drawing/2014/main" id="{79491A49-0090-40AF-A1A3-FD98BC14B27D}"/>
+                <a16:creationId xmlns:a16="http://schemas.microsoft.com/office/drawing/2014/main" id="{A6798A73-C388-471B-A6C5-6362CE45A362}"/>
               </a:ext>
             </a:extLst>
           </p:cNvPr>
@@ -5317,20 +5478,93 @@
             <p:ph type="title"/>
           </p:nvPr>
         </p:nvSpPr>
-        <p:spPr>
-          <a:xfrm>
-            <a:off x="2969368" y="2270107"/>
-            <a:ext cx="6253264" cy="1325563"/>
-          </a:xfrm>
-        </p:spPr>
+        <p:spPr/>
         <p:txBody>
           <a:bodyPr/>
           <a:lstStyle/>
           <a:p>
-            <a:pPr algn="ctr"/>
             <a:r>
               <a:rPr lang="en-US" dirty="0"/>
-              <a:t>Thank you!</a:t>
+              <a:t>Conclusion</a:t>
+            </a:r>
+          </a:p>
+        </p:txBody>
+      </p:sp>
+      <p:sp>
+        <p:nvSpPr>
+          <p:cNvPr id="3" name="Content Placeholder 2">
+            <a:extLst>
+              <a:ext uri="{FF2B5EF4-FFF2-40B4-BE49-F238E27FC236}">
+                <a16:creationId xmlns:a16="http://schemas.microsoft.com/office/drawing/2014/main" id="{3FA792B2-D169-4A7F-9CDC-E8F72C445119}"/>
+              </a:ext>
+            </a:extLst>
+          </p:cNvPr>
+          <p:cNvSpPr>
+            <a:spLocks noGrp="1"/>
+          </p:cNvSpPr>
+          <p:nvPr>
+            <p:ph idx="1"/>
+          </p:nvPr>
+        </p:nvSpPr>
+        <p:spPr/>
+        <p:txBody>
+          <a:bodyPr>
+            <a:normAutofit/>
+          </a:bodyPr>
+          <a:lstStyle/>
+          <a:p>
+            <a:pPr>
+              <a:lnSpc>
+                <a:spcPts val="3400"/>
+              </a:lnSpc>
+            </a:pPr>
+            <a:r>
+              <a:rPr lang="en-US" sz="2600" dirty="0"/>
+              <a:t>Many demographic, socioeconomic factors can predict county suicide rate.</a:t>
+            </a:r>
+          </a:p>
+          <a:p>
+            <a:pPr>
+              <a:lnSpc>
+                <a:spcPts val="3400"/>
+              </a:lnSpc>
+            </a:pPr>
+            <a:r>
+              <a:rPr lang="en-US" sz="2600" dirty="0"/>
+              <a:t>A multiple regression model can account for 43% of suicide rate variance.</a:t>
+            </a:r>
+          </a:p>
+          <a:p>
+            <a:pPr lvl="1">
+              <a:lnSpc>
+                <a:spcPts val="3400"/>
+              </a:lnSpc>
+            </a:pPr>
+            <a:r>
+              <a:rPr lang="en-US" sz="2200" dirty="0"/>
+              <a:t>Variables with p&lt;0.05 in pair-wise correlation are not necessarily significant in a multiple regression model (e.g. median income).</a:t>
+            </a:r>
+          </a:p>
+          <a:p>
+            <a:pPr>
+              <a:lnSpc>
+                <a:spcPts val="3400"/>
+              </a:lnSpc>
+            </a:pPr>
+            <a:r>
+              <a:rPr lang="en-US" sz="2600" dirty="0"/>
+              <a:t>Neural networks do not necessarily perform better than linear models.</a:t>
+            </a:r>
+          </a:p>
+          <a:p>
+            <a:pPr>
+              <a:lnSpc>
+                <a:spcPts val="3400"/>
+              </a:lnSpc>
+            </a:pPr>
+            <a:r>
+              <a:rPr lang="en-US" sz="2600" dirty="0"/>
+              <a:t>Sometimes searching for more variables (features) is more important than tweaking the model.</a:t>
             </a:r>
           </a:p>
         </p:txBody>
@@ -5338,7 +5572,7 @@
     </p:spTree>
     <p:extLst>
       <p:ext uri="{BB962C8B-B14F-4D97-AF65-F5344CB8AC3E}">
-        <p14:creationId xmlns:p14="http://schemas.microsoft.com/office/powerpoint/2010/main" val="579072409"/>
+        <p14:creationId xmlns:p14="http://schemas.microsoft.com/office/powerpoint/2010/main" val="1578090681"/>
       </p:ext>
     </p:extLst>
   </p:cSld>
@@ -5474,6 +5708,218 @@
     <p:extLst>
       <p:ext uri="{BB962C8B-B14F-4D97-AF65-F5344CB8AC3E}">
         <p14:creationId xmlns:p14="http://schemas.microsoft.com/office/powerpoint/2010/main" val="1034764982"/>
+      </p:ext>
+    </p:extLst>
+  </p:cSld>
+  <p:clrMapOvr>
+    <a:masterClrMapping/>
+  </p:clrMapOvr>
+</p:sld>
+</file>
+
+<file path=ppt/slides/slide20.xml><?xml version="1.0" encoding="utf-8"?>
+<p:sld xmlns:a="http://schemas.openxmlformats.org/drawingml/2006/main" xmlns:r="http://schemas.openxmlformats.org/officeDocument/2006/relationships" xmlns:p="http://schemas.openxmlformats.org/presentationml/2006/main">
+  <p:cSld>
+    <p:spTree>
+      <p:nvGrpSpPr>
+        <p:cNvPr id="1" name=""/>
+        <p:cNvGrpSpPr/>
+        <p:nvPr/>
+      </p:nvGrpSpPr>
+      <p:grpSpPr>
+        <a:xfrm>
+          <a:off x="0" y="0"/>
+          <a:ext cx="0" cy="0"/>
+          <a:chOff x="0" y="0"/>
+          <a:chExt cx="0" cy="0"/>
+        </a:xfrm>
+      </p:grpSpPr>
+      <p:sp>
+        <p:nvSpPr>
+          <p:cNvPr id="2" name="Title 1">
+            <a:extLst>
+              <a:ext uri="{FF2B5EF4-FFF2-40B4-BE49-F238E27FC236}">
+                <a16:creationId xmlns:a16="http://schemas.microsoft.com/office/drawing/2014/main" id="{A6798A73-C388-471B-A6C5-6362CE45A362}"/>
+              </a:ext>
+            </a:extLst>
+          </p:cNvPr>
+          <p:cNvSpPr>
+            <a:spLocks noGrp="1"/>
+          </p:cNvSpPr>
+          <p:nvPr>
+            <p:ph type="title"/>
+          </p:nvPr>
+        </p:nvSpPr>
+        <p:spPr/>
+        <p:txBody>
+          <a:bodyPr/>
+          <a:lstStyle/>
+          <a:p>
+            <a:r>
+              <a:rPr lang="en-US" dirty="0"/>
+              <a:t>Conclusion</a:t>
+            </a:r>
+          </a:p>
+        </p:txBody>
+      </p:sp>
+      <p:sp>
+        <p:nvSpPr>
+          <p:cNvPr id="3" name="Content Placeholder 2">
+            <a:extLst>
+              <a:ext uri="{FF2B5EF4-FFF2-40B4-BE49-F238E27FC236}">
+                <a16:creationId xmlns:a16="http://schemas.microsoft.com/office/drawing/2014/main" id="{3FA792B2-D169-4A7F-9CDC-E8F72C445119}"/>
+              </a:ext>
+            </a:extLst>
+          </p:cNvPr>
+          <p:cNvSpPr>
+            <a:spLocks noGrp="1"/>
+          </p:cNvSpPr>
+          <p:nvPr>
+            <p:ph idx="1"/>
+          </p:nvPr>
+        </p:nvSpPr>
+        <p:spPr/>
+        <p:txBody>
+          <a:bodyPr>
+            <a:normAutofit/>
+          </a:bodyPr>
+          <a:lstStyle/>
+          <a:p>
+            <a:pPr>
+              <a:lnSpc>
+                <a:spcPts val="3400"/>
+              </a:lnSpc>
+            </a:pPr>
+            <a:r>
+              <a:rPr lang="en-US" sz="2600" dirty="0"/>
+              <a:t>Many demographic, socioeconomic factors can predict county suicide rate.</a:t>
+            </a:r>
+          </a:p>
+          <a:p>
+            <a:pPr>
+              <a:lnSpc>
+                <a:spcPts val="3400"/>
+              </a:lnSpc>
+            </a:pPr>
+            <a:r>
+              <a:rPr lang="en-US" sz="2600" dirty="0"/>
+              <a:t>A multiple regression model can account for 43% of suicide rate variance.</a:t>
+            </a:r>
+          </a:p>
+          <a:p>
+            <a:pPr lvl="1">
+              <a:lnSpc>
+                <a:spcPts val="3400"/>
+              </a:lnSpc>
+            </a:pPr>
+            <a:r>
+              <a:rPr lang="en-US" sz="2200" dirty="0"/>
+              <a:t>Variables with p&lt;0.05 in pair-wise correlation are not necessarily significant in a multiple regression model (e.g. median income).</a:t>
+            </a:r>
+          </a:p>
+          <a:p>
+            <a:pPr>
+              <a:lnSpc>
+                <a:spcPts val="3400"/>
+              </a:lnSpc>
+            </a:pPr>
+            <a:r>
+              <a:rPr lang="en-US" sz="2600" dirty="0"/>
+              <a:t>Neural networks do not necessarily perform better than linear models.</a:t>
+            </a:r>
+          </a:p>
+          <a:p>
+            <a:pPr>
+              <a:lnSpc>
+                <a:spcPts val="3400"/>
+              </a:lnSpc>
+            </a:pPr>
+            <a:r>
+              <a:rPr lang="en-US" sz="2600" dirty="0"/>
+              <a:t>Sometimes searching for more variables (features) is more important than tweaking the model.</a:t>
+            </a:r>
+          </a:p>
+          <a:p>
+            <a:pPr>
+              <a:lnSpc>
+                <a:spcPts val="3400"/>
+              </a:lnSpc>
+            </a:pPr>
+            <a:r>
+              <a:rPr lang="en-US" sz="2600" dirty="0"/>
+              <a:t>Future: Find more variables, isotonic regression.</a:t>
+            </a:r>
+          </a:p>
+        </p:txBody>
+      </p:sp>
+    </p:spTree>
+    <p:extLst>
+      <p:ext uri="{BB962C8B-B14F-4D97-AF65-F5344CB8AC3E}">
+        <p14:creationId xmlns:p14="http://schemas.microsoft.com/office/powerpoint/2010/main" val="2940096656"/>
+      </p:ext>
+    </p:extLst>
+  </p:cSld>
+  <p:clrMapOvr>
+    <a:masterClrMapping/>
+  </p:clrMapOvr>
+</p:sld>
+</file>
+
+<file path=ppt/slides/slide21.xml><?xml version="1.0" encoding="utf-8"?>
+<p:sld xmlns:a="http://schemas.openxmlformats.org/drawingml/2006/main" xmlns:r="http://schemas.openxmlformats.org/officeDocument/2006/relationships" xmlns:p="http://schemas.openxmlformats.org/presentationml/2006/main">
+  <p:cSld>
+    <p:spTree>
+      <p:nvGrpSpPr>
+        <p:cNvPr id="1" name=""/>
+        <p:cNvGrpSpPr/>
+        <p:nvPr/>
+      </p:nvGrpSpPr>
+      <p:grpSpPr>
+        <a:xfrm>
+          <a:off x="0" y="0"/>
+          <a:ext cx="0" cy="0"/>
+          <a:chOff x="0" y="0"/>
+          <a:chExt cx="0" cy="0"/>
+        </a:xfrm>
+      </p:grpSpPr>
+      <p:sp>
+        <p:nvSpPr>
+          <p:cNvPr id="2" name="Title 1">
+            <a:extLst>
+              <a:ext uri="{FF2B5EF4-FFF2-40B4-BE49-F238E27FC236}">
+                <a16:creationId xmlns:a16="http://schemas.microsoft.com/office/drawing/2014/main" id="{79491A49-0090-40AF-A1A3-FD98BC14B27D}"/>
+              </a:ext>
+            </a:extLst>
+          </p:cNvPr>
+          <p:cNvSpPr>
+            <a:spLocks noGrp="1"/>
+          </p:cNvSpPr>
+          <p:nvPr>
+            <p:ph type="title"/>
+          </p:nvPr>
+        </p:nvSpPr>
+        <p:spPr>
+          <a:xfrm>
+            <a:off x="2969368" y="2270107"/>
+            <a:ext cx="6253264" cy="1325563"/>
+          </a:xfrm>
+        </p:spPr>
+        <p:txBody>
+          <a:bodyPr/>
+          <a:lstStyle/>
+          <a:p>
+            <a:pPr algn="ctr"/>
+            <a:r>
+              <a:rPr lang="en-US" dirty="0"/>
+              <a:t>Thank you!</a:t>
+            </a:r>
+          </a:p>
+        </p:txBody>
+      </p:sp>
+    </p:spTree>
+    <p:extLst>
+      <p:ext uri="{BB962C8B-B14F-4D97-AF65-F5344CB8AC3E}">
+        <p14:creationId xmlns:p14="http://schemas.microsoft.com/office/powerpoint/2010/main" val="579072409"/>
       </p:ext>
     </p:extLst>
   </p:cSld>
@@ -5761,6 +6207,100 @@
           <a:chExt cx="0" cy="0"/>
         </a:xfrm>
       </p:grpSpPr>
+      <p:sp>
+        <p:nvSpPr>
+          <p:cNvPr id="2" name="Title 1">
+            <a:extLst>
+              <a:ext uri="{FF2B5EF4-FFF2-40B4-BE49-F238E27FC236}">
+                <a16:creationId xmlns:a16="http://schemas.microsoft.com/office/drawing/2014/main" id="{EEC19141-7FA4-41A8-A762-0807163A7819}"/>
+              </a:ext>
+            </a:extLst>
+          </p:cNvPr>
+          <p:cNvSpPr>
+            <a:spLocks noGrp="1"/>
+          </p:cNvSpPr>
+          <p:nvPr>
+            <p:ph type="title"/>
+          </p:nvPr>
+        </p:nvSpPr>
+        <p:spPr/>
+        <p:txBody>
+          <a:bodyPr/>
+          <a:lstStyle/>
+          <a:p>
+            <a:r>
+              <a:rPr lang="en-US" dirty="0"/>
+              <a:t>Counties with highest suicide rate offer clues</a:t>
+            </a:r>
+          </a:p>
+        </p:txBody>
+      </p:sp>
+      <p:pic>
+        <p:nvPicPr>
+          <p:cNvPr id="5" name="Picture 4">
+            <a:extLst>
+              <a:ext uri="{FF2B5EF4-FFF2-40B4-BE49-F238E27FC236}">
+                <a16:creationId xmlns:a16="http://schemas.microsoft.com/office/drawing/2014/main" id="{627515F5-2876-49DE-BD3F-66F77EC94CEE}"/>
+              </a:ext>
+            </a:extLst>
+          </p:cNvPr>
+          <p:cNvPicPr>
+            <a:picLocks noChangeAspect="1"/>
+          </p:cNvPicPr>
+          <p:nvPr/>
+        </p:nvPicPr>
+        <p:blipFill>
+          <a:blip r:embed="rId2">
+            <a:extLst>
+              <a:ext uri="{28A0092B-C50C-407E-A947-70E740481C1C}">
+                <a14:useLocalDpi xmlns:a14="http://schemas.microsoft.com/office/drawing/2010/main" val="0"/>
+              </a:ext>
+            </a:extLst>
+          </a:blip>
+          <a:stretch>
+            <a:fillRect/>
+          </a:stretch>
+        </p:blipFill>
+        <p:spPr>
+          <a:xfrm>
+            <a:off x="1979318" y="1737823"/>
+            <a:ext cx="8233363" cy="4425432"/>
+          </a:xfrm>
+          <a:prstGeom prst="rect">
+            <a:avLst/>
+          </a:prstGeom>
+        </p:spPr>
+      </p:pic>
+    </p:spTree>
+    <p:extLst>
+      <p:ext uri="{BB962C8B-B14F-4D97-AF65-F5344CB8AC3E}">
+        <p14:creationId xmlns:p14="http://schemas.microsoft.com/office/powerpoint/2010/main" val="3538366299"/>
+      </p:ext>
+    </p:extLst>
+  </p:cSld>
+  <p:clrMapOvr>
+    <a:masterClrMapping/>
+  </p:clrMapOvr>
+</p:sld>
+</file>
+
+<file path=ppt/slides/slide6.xml><?xml version="1.0" encoding="utf-8"?>
+<p:sld xmlns:a="http://schemas.openxmlformats.org/drawingml/2006/main" xmlns:r="http://schemas.openxmlformats.org/officeDocument/2006/relationships" xmlns:p="http://schemas.openxmlformats.org/presentationml/2006/main">
+  <p:cSld>
+    <p:spTree>
+      <p:nvGrpSpPr>
+        <p:cNvPr id="1" name=""/>
+        <p:cNvGrpSpPr/>
+        <p:nvPr/>
+      </p:nvGrpSpPr>
+      <p:grpSpPr>
+        <a:xfrm>
+          <a:off x="0" y="0"/>
+          <a:ext cx="0" cy="0"/>
+          <a:chOff x="0" y="0"/>
+          <a:chExt cx="0" cy="0"/>
+        </a:xfrm>
+      </p:grpSpPr>
       <p:pic>
         <p:nvPicPr>
           <p:cNvPr id="49" name="Picture 48">
@@ -6170,7 +6710,7 @@
 </p:sld>
 </file>
 
-<file path=ppt/slides/slide6.xml><?xml version="1.0" encoding="utf-8"?>
+<file path=ppt/slides/slide7.xml><?xml version="1.0" encoding="utf-8"?>
 <p:sld xmlns:a="http://schemas.openxmlformats.org/drawingml/2006/main" xmlns:r="http://schemas.openxmlformats.org/officeDocument/2006/relationships" xmlns:p="http://schemas.openxmlformats.org/presentationml/2006/main">
   <p:cSld>
     <p:spTree>
@@ -6579,7 +7119,7 @@
 </p:sld>
 </file>
 
-<file path=ppt/slides/slide7.xml><?xml version="1.0" encoding="utf-8"?>
+<file path=ppt/slides/slide8.xml><?xml version="1.0" encoding="utf-8"?>
 <p:sld xmlns:a="http://schemas.openxmlformats.org/drawingml/2006/main" xmlns:r="http://schemas.openxmlformats.org/officeDocument/2006/relationships" xmlns:p="http://schemas.openxmlformats.org/presentationml/2006/main">
   <p:cSld>
     <p:spTree>
@@ -7028,7 +7568,7 @@
 </p:sld>
 </file>
 
-<file path=ppt/slides/slide8.xml><?xml version="1.0" encoding="utf-8"?>
+<file path=ppt/slides/slide9.xml><?xml version="1.0" encoding="utf-8"?>
 <p:sld xmlns:a="http://schemas.openxmlformats.org/drawingml/2006/main" xmlns:r="http://schemas.openxmlformats.org/officeDocument/2006/relationships" xmlns:p="http://schemas.openxmlformats.org/presentationml/2006/main">
   <p:cSld>
     <p:spTree>
@@ -7156,302 +7696,6 @@
     <p:extLst>
       <p:ext uri="{BB962C8B-B14F-4D97-AF65-F5344CB8AC3E}">
         <p14:creationId xmlns:p14="http://schemas.microsoft.com/office/powerpoint/2010/main" val="3028124217"/>
-      </p:ext>
-    </p:extLst>
-  </p:cSld>
-  <p:clrMapOvr>
-    <a:masterClrMapping/>
-  </p:clrMapOvr>
-</p:sld>
-</file>
-
-<file path=ppt/slides/slide9.xml><?xml version="1.0" encoding="utf-8"?>
-<p:sld xmlns:a="http://schemas.openxmlformats.org/drawingml/2006/main" xmlns:r="http://schemas.openxmlformats.org/officeDocument/2006/relationships" xmlns:p="http://schemas.openxmlformats.org/presentationml/2006/main">
-  <p:cSld>
-    <p:spTree>
-      <p:nvGrpSpPr>
-        <p:cNvPr id="1" name=""/>
-        <p:cNvGrpSpPr/>
-        <p:nvPr/>
-      </p:nvGrpSpPr>
-      <p:grpSpPr>
-        <a:xfrm>
-          <a:off x="0" y="0"/>
-          <a:ext cx="0" cy="0"/>
-          <a:chOff x="0" y="0"/>
-          <a:chExt cx="0" cy="0"/>
-        </a:xfrm>
-      </p:grpSpPr>
-      <p:sp>
-        <p:nvSpPr>
-          <p:cNvPr id="2" name="Title 1">
-            <a:extLst>
-              <a:ext uri="{FF2B5EF4-FFF2-40B4-BE49-F238E27FC236}">
-                <a16:creationId xmlns:a16="http://schemas.microsoft.com/office/drawing/2014/main" id="{14ACED59-0D2E-4F43-B8E3-73E86784CF87}"/>
-              </a:ext>
-            </a:extLst>
-          </p:cNvPr>
-          <p:cNvSpPr>
-            <a:spLocks noGrp="1"/>
-          </p:cNvSpPr>
-          <p:nvPr>
-            <p:ph type="title"/>
-          </p:nvPr>
-        </p:nvSpPr>
-        <p:spPr>
-          <a:xfrm>
-            <a:off x="743930" y="201299"/>
-            <a:ext cx="10515600" cy="748245"/>
-          </a:xfrm>
-        </p:spPr>
-        <p:txBody>
-          <a:bodyPr>
-            <a:normAutofit/>
-          </a:bodyPr>
-          <a:lstStyle/>
-          <a:p>
-            <a:r>
-              <a:rPr lang="en-US" dirty="0"/>
-              <a:t>Multiple regression model results</a:t>
-            </a:r>
-          </a:p>
-        </p:txBody>
-      </p:sp>
-      <p:sp>
-        <p:nvSpPr>
-          <p:cNvPr id="6" name="Rectangle 5">
-            <a:extLst>
-              <a:ext uri="{FF2B5EF4-FFF2-40B4-BE49-F238E27FC236}">
-                <a16:creationId xmlns:a16="http://schemas.microsoft.com/office/drawing/2014/main" id="{EC2349AA-4822-4D92-BCDC-223BF6FF0E2B}"/>
-              </a:ext>
-            </a:extLst>
-          </p:cNvPr>
-          <p:cNvSpPr/>
-          <p:nvPr/>
-        </p:nvSpPr>
-        <p:spPr>
-          <a:xfrm>
-            <a:off x="838200" y="2187019"/>
-            <a:ext cx="500406" cy="4569133"/>
-          </a:xfrm>
-          <a:prstGeom prst="rect">
-            <a:avLst/>
-          </a:prstGeom>
-          <a:solidFill>
-            <a:schemeClr val="bg1"/>
-          </a:solidFill>
-          <a:ln>
-            <a:noFill/>
-          </a:ln>
-        </p:spPr>
-        <p:style>
-          <a:lnRef idx="2">
-            <a:schemeClr val="accent1">
-              <a:shade val="50000"/>
-            </a:schemeClr>
-          </a:lnRef>
-          <a:fillRef idx="1">
-            <a:schemeClr val="accent1"/>
-          </a:fillRef>
-          <a:effectRef idx="0">
-            <a:schemeClr val="accent1"/>
-          </a:effectRef>
-          <a:fontRef idx="minor">
-            <a:schemeClr val="lt1"/>
-          </a:fontRef>
-        </p:style>
-        <p:txBody>
-          <a:bodyPr rtlCol="0" anchor="ctr"/>
-          <a:lstStyle/>
-          <a:p>
-            <a:pPr algn="ctr"/>
-            <a:endParaRPr lang="en-US"/>
-          </a:p>
-        </p:txBody>
-      </p:sp>
-      <p:sp>
-        <p:nvSpPr>
-          <p:cNvPr id="3" name="TextBox 2">
-            <a:extLst>
-              <a:ext uri="{FF2B5EF4-FFF2-40B4-BE49-F238E27FC236}">
-                <a16:creationId xmlns:a16="http://schemas.microsoft.com/office/drawing/2014/main" id="{863BED04-5A42-4989-94BA-7EEB7CBD6919}"/>
-              </a:ext>
-            </a:extLst>
-          </p:cNvPr>
-          <p:cNvSpPr txBox="1"/>
-          <p:nvPr/>
-        </p:nvSpPr>
-        <p:spPr>
-          <a:xfrm>
-            <a:off x="9530498" y="1113221"/>
-            <a:ext cx="1588897" cy="461665"/>
-          </a:xfrm>
-          <a:prstGeom prst="rect">
-            <a:avLst/>
-          </a:prstGeom>
-          <a:noFill/>
-        </p:spPr>
-        <p:txBody>
-          <a:bodyPr wrap="none" rtlCol="0">
-            <a:spAutoFit/>
-          </a:bodyPr>
-          <a:lstStyle/>
-          <a:p>
-            <a:r>
-              <a:rPr lang="en-US" sz="2400" dirty="0"/>
-              <a:t>MSE: 0.478</a:t>
-            </a:r>
-          </a:p>
-        </p:txBody>
-      </p:sp>
-      <p:sp>
-        <p:nvSpPr>
-          <p:cNvPr id="7" name="TextBox 6">
-            <a:extLst>
-              <a:ext uri="{FF2B5EF4-FFF2-40B4-BE49-F238E27FC236}">
-                <a16:creationId xmlns:a16="http://schemas.microsoft.com/office/drawing/2014/main" id="{B2C8E4D9-B540-41B5-9FB6-47DE8EF34BE3}"/>
-              </a:ext>
-            </a:extLst>
-          </p:cNvPr>
-          <p:cNvSpPr txBox="1"/>
-          <p:nvPr/>
-        </p:nvSpPr>
-        <p:spPr>
-          <a:xfrm>
-            <a:off x="9530497" y="1669402"/>
-            <a:ext cx="1356462" cy="461665"/>
-          </a:xfrm>
-          <a:prstGeom prst="rect">
-            <a:avLst/>
-          </a:prstGeom>
-          <a:noFill/>
-        </p:spPr>
-        <p:txBody>
-          <a:bodyPr wrap="none" rtlCol="0">
-            <a:spAutoFit/>
-          </a:bodyPr>
-          <a:lstStyle/>
-          <a:p>
-            <a:r>
-              <a:rPr lang="en-US" sz="2400" dirty="0"/>
-              <a:t>R2: 0.433</a:t>
-            </a:r>
-          </a:p>
-        </p:txBody>
-      </p:sp>
-      <p:grpSp>
-        <p:nvGrpSpPr>
-          <p:cNvPr id="5" name="Group 4">
-            <a:extLst>
-              <a:ext uri="{FF2B5EF4-FFF2-40B4-BE49-F238E27FC236}">
-                <a16:creationId xmlns:a16="http://schemas.microsoft.com/office/drawing/2014/main" id="{5946261C-6089-46B0-B626-A5ADA3119C95}"/>
-              </a:ext>
-            </a:extLst>
-          </p:cNvPr>
-          <p:cNvGrpSpPr/>
-          <p:nvPr/>
-        </p:nvGrpSpPr>
-        <p:grpSpPr>
-          <a:xfrm>
-            <a:off x="743930" y="1084691"/>
-            <a:ext cx="8280461" cy="5572010"/>
-            <a:chOff x="743930" y="1084691"/>
-            <a:chExt cx="8280461" cy="5572010"/>
-          </a:xfrm>
-        </p:grpSpPr>
-        <p:pic>
-          <p:nvPicPr>
-            <p:cNvPr id="10" name="Picture 9">
-              <a:extLst>
-                <a:ext uri="{FF2B5EF4-FFF2-40B4-BE49-F238E27FC236}">
-                  <a16:creationId xmlns:a16="http://schemas.microsoft.com/office/drawing/2014/main" id="{EDB42234-9293-4020-B63A-AE0EF563B1A8}"/>
-                </a:ext>
-              </a:extLst>
-            </p:cNvPr>
-            <p:cNvPicPr>
-              <a:picLocks noChangeAspect="1"/>
-            </p:cNvPicPr>
-            <p:nvPr/>
-          </p:nvPicPr>
-          <p:blipFill>
-            <a:blip r:embed="rId2">
-              <a:extLst>
-                <a:ext uri="{28A0092B-C50C-407E-A947-70E740481C1C}">
-                  <a14:useLocalDpi xmlns:a14="http://schemas.microsoft.com/office/drawing/2010/main" val="0"/>
-                </a:ext>
-              </a:extLst>
-            </a:blip>
-            <a:stretch>
-              <a:fillRect/>
-            </a:stretch>
-          </p:blipFill>
-          <p:spPr>
-            <a:xfrm>
-              <a:off x="838200" y="1084691"/>
-              <a:ext cx="8186191" cy="5572010"/>
-            </a:xfrm>
-            <a:prstGeom prst="rect">
-              <a:avLst/>
-            </a:prstGeom>
-          </p:spPr>
-        </p:pic>
-        <p:sp>
-          <p:nvSpPr>
-            <p:cNvPr id="4" name="Rectangle 3">
-              <a:extLst>
-                <a:ext uri="{FF2B5EF4-FFF2-40B4-BE49-F238E27FC236}">
-                  <a16:creationId xmlns:a16="http://schemas.microsoft.com/office/drawing/2014/main" id="{8554511D-8672-4608-9D05-DD87D68FB983}"/>
-                </a:ext>
-              </a:extLst>
-            </p:cNvPr>
-            <p:cNvSpPr/>
-            <p:nvPr/>
-          </p:nvSpPr>
-          <p:spPr>
-            <a:xfrm>
-              <a:off x="743930" y="1084691"/>
-              <a:ext cx="4110874" cy="310476"/>
-            </a:xfrm>
-            <a:prstGeom prst="rect">
-              <a:avLst/>
-            </a:prstGeom>
-            <a:solidFill>
-              <a:schemeClr val="bg1"/>
-            </a:solidFill>
-            <a:ln>
-              <a:noFill/>
-            </a:ln>
-          </p:spPr>
-          <p:style>
-            <a:lnRef idx="2">
-              <a:schemeClr val="accent1">
-                <a:shade val="50000"/>
-              </a:schemeClr>
-            </a:lnRef>
-            <a:fillRef idx="1">
-              <a:schemeClr val="accent1"/>
-            </a:fillRef>
-            <a:effectRef idx="0">
-              <a:schemeClr val="accent1"/>
-            </a:effectRef>
-            <a:fontRef idx="minor">
-              <a:schemeClr val="lt1"/>
-            </a:fontRef>
-          </p:style>
-          <p:txBody>
-            <a:bodyPr rtlCol="0" anchor="ctr"/>
-            <a:lstStyle/>
-            <a:p>
-              <a:pPr algn="ctr"/>
-              <a:endParaRPr lang="en-US"/>
-            </a:p>
-          </p:txBody>
-        </p:sp>
-      </p:grpSp>
-    </p:spTree>
-    <p:extLst>
-      <p:ext uri="{BB962C8B-B14F-4D97-AF65-F5344CB8AC3E}">
-        <p14:creationId xmlns:p14="http://schemas.microsoft.com/office/powerpoint/2010/main" val="1399268501"/>
       </p:ext>
     </p:extLst>
   </p:cSld>
